--- a/PLPTH813Bioinformatis/2023/labs/lab10_DE.pptx
+++ b/PLPTH813Bioinformatis/2023/labs/lab10_DE.pptx
@@ -39,9 +39,9 @@
     <p:sldId id="389" r:id="rId30"/>
     <p:sldId id="410" r:id="rId31"/>
     <p:sldId id="412" r:id="rId32"/>
-    <p:sldId id="391" r:id="rId33"/>
-    <p:sldId id="413" r:id="rId34"/>
-    <p:sldId id="390" r:id="rId35"/>
+    <p:sldId id="390" r:id="rId33"/>
+    <p:sldId id="391" r:id="rId34"/>
+    <p:sldId id="413" r:id="rId35"/>
     <p:sldId id="409" r:id="rId36"/>
   </p:sldIdLst>
   <p:sldSz cx="9144000" cy="6858000" type="screen4x3"/>
@@ -242,7 +242,7 @@
           <a:p>
             <a:fld id="{00083A62-9D77-1A44-8DB5-4DA900A12DD2}" type="datetimeFigureOut">
               <a:rPr lang="en-US" smtClean="0"/>
-              <a:t>4/18/23</a:t>
+              <a:t>4/20/23</a:t>
             </a:fld>
             <a:endParaRPr lang="en-US"/>
           </a:p>
@@ -2735,7 +2735,7 @@
     </p:spTree>
     <p:extLst>
       <p:ext uri="{BB962C8B-B14F-4D97-AF65-F5344CB8AC3E}">
-        <p14:creationId xmlns:p14="http://schemas.microsoft.com/office/powerpoint/2010/main" val="1400680348"/>
+        <p14:creationId xmlns:p14="http://schemas.microsoft.com/office/powerpoint/2010/main" val="445941108"/>
       </p:ext>
     </p:extLst>
   </p:cSld>
@@ -2819,7 +2819,7 @@
     </p:spTree>
     <p:extLst>
       <p:ext uri="{BB962C8B-B14F-4D97-AF65-F5344CB8AC3E}">
-        <p14:creationId xmlns:p14="http://schemas.microsoft.com/office/powerpoint/2010/main" val="4223479984"/>
+        <p14:creationId xmlns:p14="http://schemas.microsoft.com/office/powerpoint/2010/main" val="1400680348"/>
       </p:ext>
     </p:extLst>
   </p:cSld>
@@ -2903,7 +2903,7 @@
     </p:spTree>
     <p:extLst>
       <p:ext uri="{BB962C8B-B14F-4D97-AF65-F5344CB8AC3E}">
-        <p14:creationId xmlns:p14="http://schemas.microsoft.com/office/powerpoint/2010/main" val="445941108"/>
+        <p14:creationId xmlns:p14="http://schemas.microsoft.com/office/powerpoint/2010/main" val="4223479984"/>
       </p:ext>
     </p:extLst>
   </p:cSld>
@@ -3793,7 +3793,7 @@
           <a:p>
             <a:fld id="{D3AC06C3-F7A7-844B-B36F-82CB98B2AC89}" type="datetimeFigureOut">
               <a:rPr lang="en-US" smtClean="0"/>
-              <a:t>4/18/23</a:t>
+              <a:t>4/20/23</a:t>
             </a:fld>
             <a:endParaRPr lang="en-US"/>
           </a:p>
@@ -3961,7 +3961,7 @@
           <a:p>
             <a:fld id="{D3AC06C3-F7A7-844B-B36F-82CB98B2AC89}" type="datetimeFigureOut">
               <a:rPr lang="en-US" smtClean="0"/>
-              <a:t>4/18/23</a:t>
+              <a:t>4/20/23</a:t>
             </a:fld>
             <a:endParaRPr lang="en-US"/>
           </a:p>
@@ -4139,7 +4139,7 @@
           <a:p>
             <a:fld id="{D3AC06C3-F7A7-844B-B36F-82CB98B2AC89}" type="datetimeFigureOut">
               <a:rPr lang="en-US" smtClean="0"/>
-              <a:t>4/18/23</a:t>
+              <a:t>4/20/23</a:t>
             </a:fld>
             <a:endParaRPr lang="en-US"/>
           </a:p>
@@ -4307,7 +4307,7 @@
           <a:p>
             <a:fld id="{D3AC06C3-F7A7-844B-B36F-82CB98B2AC89}" type="datetimeFigureOut">
               <a:rPr lang="en-US" smtClean="0"/>
-              <a:t>4/18/23</a:t>
+              <a:t>4/20/23</a:t>
             </a:fld>
             <a:endParaRPr lang="en-US"/>
           </a:p>
@@ -4552,7 +4552,7 @@
           <a:p>
             <a:fld id="{D3AC06C3-F7A7-844B-B36F-82CB98B2AC89}" type="datetimeFigureOut">
               <a:rPr lang="en-US" smtClean="0"/>
-              <a:t>4/18/23</a:t>
+              <a:t>4/20/23</a:t>
             </a:fld>
             <a:endParaRPr lang="en-US"/>
           </a:p>
@@ -4837,7 +4837,7 @@
           <a:p>
             <a:fld id="{D3AC06C3-F7A7-844B-B36F-82CB98B2AC89}" type="datetimeFigureOut">
               <a:rPr lang="en-US" smtClean="0"/>
-              <a:t>4/18/23</a:t>
+              <a:t>4/20/23</a:t>
             </a:fld>
             <a:endParaRPr lang="en-US"/>
           </a:p>
@@ -5256,7 +5256,7 @@
           <a:p>
             <a:fld id="{D3AC06C3-F7A7-844B-B36F-82CB98B2AC89}" type="datetimeFigureOut">
               <a:rPr lang="en-US" smtClean="0"/>
-              <a:t>4/18/23</a:t>
+              <a:t>4/20/23</a:t>
             </a:fld>
             <a:endParaRPr lang="en-US"/>
           </a:p>
@@ -5373,7 +5373,7 @@
           <a:p>
             <a:fld id="{D3AC06C3-F7A7-844B-B36F-82CB98B2AC89}" type="datetimeFigureOut">
               <a:rPr lang="en-US" smtClean="0"/>
-              <a:t>4/18/23</a:t>
+              <a:t>4/20/23</a:t>
             </a:fld>
             <a:endParaRPr lang="en-US"/>
           </a:p>
@@ -5468,7 +5468,7 @@
           <a:p>
             <a:fld id="{D3AC06C3-F7A7-844B-B36F-82CB98B2AC89}" type="datetimeFigureOut">
               <a:rPr lang="en-US" smtClean="0"/>
-              <a:t>4/18/23</a:t>
+              <a:t>4/20/23</a:t>
             </a:fld>
             <a:endParaRPr lang="en-US"/>
           </a:p>
@@ -5743,7 +5743,7 @@
           <a:p>
             <a:fld id="{D3AC06C3-F7A7-844B-B36F-82CB98B2AC89}" type="datetimeFigureOut">
               <a:rPr lang="en-US" smtClean="0"/>
-              <a:t>4/18/23</a:t>
+              <a:t>4/20/23</a:t>
             </a:fld>
             <a:endParaRPr lang="en-US"/>
           </a:p>
@@ -5995,7 +5995,7 @@
           <a:p>
             <a:fld id="{D3AC06C3-F7A7-844B-B36F-82CB98B2AC89}" type="datetimeFigureOut">
               <a:rPr lang="en-US" smtClean="0"/>
-              <a:t>4/18/23</a:t>
+              <a:t>4/20/23</a:t>
             </a:fld>
             <a:endParaRPr lang="en-US"/>
           </a:p>
@@ -6206,7 +6206,7 @@
           <a:p>
             <a:fld id="{D3AC06C3-F7A7-844B-B36F-82CB98B2AC89}" type="datetimeFigureOut">
               <a:rPr lang="en-US" smtClean="0"/>
-              <a:t>4/18/23</a:t>
+              <a:t>4/20/23</a:t>
             </a:fld>
             <a:endParaRPr lang="en-US"/>
           </a:p>
@@ -10427,8 +10427,19 @@
                 <a:latin typeface="Courier"/>
                 <a:cs typeface="Courier"/>
               </a:rPr>
-              <a:t> 2</a:t>
-            </a:r>
+              <a:t> $</a:t>
+            </a:r>
+            <a:r>
+              <a:rPr lang="en-US" dirty="0" err="1">
+                <a:latin typeface="Courier"/>
+                <a:cs typeface="Courier"/>
+              </a:rPr>
+              <a:t>srr_col</a:t>
+            </a:r>
+            <a:endParaRPr lang="en-US" dirty="0">
+              <a:latin typeface="Courier"/>
+              <a:cs typeface="Courier"/>
+            </a:endParaRPr>
           </a:p>
           <a:p>
             <a:endParaRPr lang="en-US" dirty="0">
@@ -10953,35 +10964,7 @@
                 <a:latin typeface="Courier"/>
                 <a:cs typeface="Courier"/>
               </a:rPr>
-              <a:t> /homes/liu3zhen/local/</a:t>
-            </a:r>
-            <a:r>
-              <a:rPr lang="en-US" sz="1600" dirty="0" err="1">
-                <a:latin typeface="Courier"/>
-                <a:cs typeface="Courier"/>
-              </a:rPr>
-              <a:t>slurm</a:t>
-            </a:r>
-            <a:r>
-              <a:rPr lang="en-US" sz="1600" dirty="0">
-                <a:latin typeface="Courier"/>
-                <a:cs typeface="Courier"/>
-              </a:rPr>
-              <a:t>/</a:t>
-            </a:r>
-            <a:r>
-              <a:rPr lang="en-US" sz="1600" dirty="0" err="1">
-                <a:latin typeface="Courier"/>
-                <a:cs typeface="Courier"/>
-              </a:rPr>
-              <a:t>trimmomatic</a:t>
-            </a:r>
-            <a:r>
-              <a:rPr lang="en-US" sz="1600" dirty="0">
-                <a:latin typeface="Courier"/>
-                <a:cs typeface="Courier"/>
-              </a:rPr>
-              <a:t>/</a:t>
+              <a:t> ../utils/scripts/</a:t>
             </a:r>
             <a:r>
               <a:rPr lang="en-US" sz="1600" dirty="0" err="1">
@@ -20512,6 +20495,967 @@
           <a:p>
             <a:r>
               <a:rPr lang="en-US" sz="3200" dirty="0"/>
+              <a:t>Part V. DE</a:t>
+            </a:r>
+          </a:p>
+        </p:txBody>
+      </p:sp>
+      <p:sp>
+        <p:nvSpPr>
+          <p:cNvPr id="3" name="Content Placeholder 2"/>
+          <p:cNvSpPr>
+            <a:spLocks noGrp="1"/>
+          </p:cNvSpPr>
+          <p:nvPr>
+            <p:ph idx="1"/>
+          </p:nvPr>
+        </p:nvSpPr>
+        <p:spPr>
+          <a:xfrm>
+            <a:off x="228600" y="862057"/>
+            <a:ext cx="8712200" cy="5721305"/>
+          </a:xfrm>
+        </p:spPr>
+        <p:txBody>
+          <a:bodyPr>
+            <a:noAutofit/>
+          </a:bodyPr>
+          <a:lstStyle/>
+          <a:p>
+            <a:pPr marL="0" indent="0">
+              <a:lnSpc>
+                <a:spcPct val="90000"/>
+              </a:lnSpc>
+              <a:buNone/>
+            </a:pPr>
+            <a:r>
+              <a:rPr lang="en-US" sz="1400" dirty="0">
+                <a:latin typeface="Courier"/>
+                <a:cs typeface="Courier"/>
+              </a:rPr>
+              <a:t>### load modules</a:t>
+            </a:r>
+          </a:p>
+          <a:p>
+            <a:pPr marL="0" indent="0">
+              <a:lnSpc>
+                <a:spcPct val="90000"/>
+              </a:lnSpc>
+              <a:buNone/>
+            </a:pPr>
+            <a:r>
+              <a:rPr lang="en-US" sz="1400" dirty="0">
+                <a:latin typeface="Courier"/>
+                <a:cs typeface="Courier"/>
+              </a:rPr>
+              <a:t>source("../utils/scripts/DESeq2.single.trt.R")</a:t>
+            </a:r>
+          </a:p>
+          <a:p>
+            <a:pPr marL="0" indent="0">
+              <a:lnSpc>
+                <a:spcPct val="90000"/>
+              </a:lnSpc>
+              <a:buNone/>
+            </a:pPr>
+            <a:r>
+              <a:rPr lang="en-US" sz="1400" dirty="0">
+                <a:latin typeface="Courier"/>
+                <a:cs typeface="Courier"/>
+              </a:rPr>
+              <a:t>source("../utils/scripts/</a:t>
+            </a:r>
+            <a:r>
+              <a:rPr lang="en-US" sz="1400" dirty="0" err="1">
+                <a:latin typeface="Courier"/>
+                <a:cs typeface="Courier"/>
+              </a:rPr>
+              <a:t>DE.summary.R</a:t>
+            </a:r>
+            <a:r>
+              <a:rPr lang="en-US" sz="1400" dirty="0">
+                <a:latin typeface="Courier"/>
+                <a:cs typeface="Courier"/>
+              </a:rPr>
+              <a:t>")</a:t>
+            </a:r>
+          </a:p>
+          <a:p>
+            <a:pPr marL="0" indent="0">
+              <a:lnSpc>
+                <a:spcPct val="90000"/>
+              </a:lnSpc>
+              <a:buNone/>
+            </a:pPr>
+            <a:r>
+              <a:rPr lang="en-US" sz="1400" dirty="0">
+                <a:latin typeface="Courier"/>
+                <a:cs typeface="Courier"/>
+              </a:rPr>
+              <a:t>### DE parameters</a:t>
+            </a:r>
+          </a:p>
+          <a:p>
+            <a:pPr marL="0" indent="0">
+              <a:lnSpc>
+                <a:spcPct val="90000"/>
+              </a:lnSpc>
+              <a:buNone/>
+            </a:pPr>
+            <a:r>
+              <a:rPr lang="en-US" sz="1400" dirty="0" err="1">
+                <a:latin typeface="Courier"/>
+                <a:cs typeface="Courier"/>
+              </a:rPr>
+              <a:t>fdr.cutoff</a:t>
+            </a:r>
+            <a:r>
+              <a:rPr lang="en-US" sz="1400" dirty="0">
+                <a:latin typeface="Courier"/>
+                <a:cs typeface="Courier"/>
+              </a:rPr>
+              <a:t> &lt;- 0.05</a:t>
+            </a:r>
+          </a:p>
+          <a:p>
+            <a:pPr marL="0" indent="0">
+              <a:lnSpc>
+                <a:spcPct val="90000"/>
+              </a:lnSpc>
+              <a:buNone/>
+            </a:pPr>
+            <a:r>
+              <a:rPr lang="en-US" sz="1400" dirty="0">
+                <a:latin typeface="Courier"/>
+                <a:cs typeface="Courier"/>
+              </a:rPr>
+              <a:t># data reformat:</a:t>
+            </a:r>
+          </a:p>
+          <a:p>
+            <a:pPr marL="0" indent="0">
+              <a:lnSpc>
+                <a:spcPct val="90000"/>
+              </a:lnSpc>
+              <a:buNone/>
+            </a:pPr>
+            <a:r>
+              <a:rPr lang="en-US" sz="1400" dirty="0">
+                <a:latin typeface="Courier"/>
+                <a:cs typeface="Courier"/>
+              </a:rPr>
+              <a:t>input &lt;- </a:t>
+            </a:r>
+            <a:r>
+              <a:rPr lang="en-US" sz="1400" dirty="0" err="1">
+                <a:latin typeface="Courier"/>
+                <a:cs typeface="Courier"/>
+              </a:rPr>
+              <a:t>allcounts</a:t>
+            </a:r>
+            <a:r>
+              <a:rPr lang="en-US" sz="1400" dirty="0">
+                <a:latin typeface="Courier"/>
+                <a:cs typeface="Courier"/>
+              </a:rPr>
+              <a:t>[, </a:t>
+            </a:r>
+            <a:r>
+              <a:rPr lang="en-US" sz="1400" dirty="0">
+                <a:solidFill>
+                  <a:srgbClr val="FF0000"/>
+                </a:solidFill>
+                <a:latin typeface="Courier"/>
+                <a:cs typeface="Courier"/>
+              </a:rPr>
+              <a:t>2:7</a:t>
+            </a:r>
+            <a:r>
+              <a:rPr lang="en-US" sz="1400" dirty="0">
+                <a:latin typeface="Courier"/>
+                <a:cs typeface="Courier"/>
+              </a:rPr>
+              <a:t>]</a:t>
+            </a:r>
+          </a:p>
+          <a:p>
+            <a:pPr marL="0" indent="0">
+              <a:lnSpc>
+                <a:spcPct val="90000"/>
+              </a:lnSpc>
+              <a:buNone/>
+            </a:pPr>
+            <a:r>
+              <a:rPr lang="en-US" sz="1400" dirty="0" err="1">
+                <a:latin typeface="Courier"/>
+                <a:cs typeface="Courier"/>
+              </a:rPr>
+              <a:t>rownames</a:t>
+            </a:r>
+            <a:r>
+              <a:rPr lang="en-US" sz="1400" dirty="0">
+                <a:latin typeface="Courier"/>
+                <a:cs typeface="Courier"/>
+              </a:rPr>
+              <a:t>(input) &lt;- </a:t>
+            </a:r>
+            <a:r>
+              <a:rPr lang="en-US" sz="1400" dirty="0" err="1">
+                <a:latin typeface="Courier"/>
+                <a:cs typeface="Courier"/>
+              </a:rPr>
+              <a:t>allcounts</a:t>
+            </a:r>
+            <a:r>
+              <a:rPr lang="en-US" sz="1400" dirty="0">
+                <a:latin typeface="Courier"/>
+                <a:cs typeface="Courier"/>
+              </a:rPr>
+              <a:t>[, 1]</a:t>
+            </a:r>
+          </a:p>
+          <a:p>
+            <a:pPr marL="0" indent="0">
+              <a:lnSpc>
+                <a:spcPct val="90000"/>
+              </a:lnSpc>
+              <a:buNone/>
+            </a:pPr>
+            <a:r>
+              <a:rPr lang="en-US" sz="1400" dirty="0">
+                <a:latin typeface="Courier"/>
+                <a:cs typeface="Courier"/>
+              </a:rPr>
+              <a:t># DE statistical analysis:</a:t>
+            </a:r>
+          </a:p>
+          <a:p>
+            <a:pPr marL="0" indent="0">
+              <a:lnSpc>
+                <a:spcPct val="90000"/>
+              </a:lnSpc>
+              <a:buNone/>
+            </a:pPr>
+            <a:r>
+              <a:rPr lang="en-US" sz="1400" dirty="0" err="1">
+                <a:latin typeface="Courier"/>
+                <a:cs typeface="Courier"/>
+              </a:rPr>
+              <a:t>DE.out</a:t>
+            </a:r>
+            <a:r>
+              <a:rPr lang="en-US" sz="1400" dirty="0">
+                <a:latin typeface="Courier"/>
+                <a:cs typeface="Courier"/>
+              </a:rPr>
+              <a:t> &lt;- DESeq2.single.trt(</a:t>
+            </a:r>
+            <a:r>
+              <a:rPr lang="en-US" sz="1400" dirty="0" err="1">
+                <a:latin typeface="Courier"/>
+                <a:cs typeface="Courier"/>
+              </a:rPr>
+              <a:t>input.matrix</a:t>
+            </a:r>
+            <a:r>
+              <a:rPr lang="en-US" sz="1400" dirty="0">
+                <a:latin typeface="Courier"/>
+                <a:cs typeface="Courier"/>
+              </a:rPr>
+              <a:t> = input,</a:t>
+            </a:r>
+          </a:p>
+          <a:p>
+            <a:pPr marL="0" indent="0">
+              <a:lnSpc>
+                <a:spcPct val="90000"/>
+              </a:lnSpc>
+              <a:buNone/>
+            </a:pPr>
+            <a:r>
+              <a:rPr lang="en-US" sz="1400" dirty="0">
+                <a:latin typeface="Courier"/>
+                <a:cs typeface="Courier"/>
+              </a:rPr>
+              <a:t>                            </a:t>
+            </a:r>
+            <a:r>
+              <a:rPr lang="en-US" sz="1400" dirty="0" err="1">
+                <a:latin typeface="Courier"/>
+                <a:cs typeface="Courier"/>
+              </a:rPr>
+              <a:t>min.mean.reads</a:t>
+            </a:r>
+            <a:r>
+              <a:rPr lang="en-US" sz="1400" dirty="0">
+                <a:latin typeface="Courier"/>
+                <a:cs typeface="Courier"/>
+              </a:rPr>
+              <a:t> = 5,</a:t>
+            </a:r>
+          </a:p>
+          <a:p>
+            <a:pPr marL="0" indent="0">
+              <a:lnSpc>
+                <a:spcPct val="90000"/>
+              </a:lnSpc>
+              <a:buNone/>
+            </a:pPr>
+            <a:r>
+              <a:rPr lang="en-US" sz="1400" dirty="0">
+                <a:latin typeface="Courier"/>
+                <a:cs typeface="Courier"/>
+              </a:rPr>
+              <a:t>                            group1.col = </a:t>
+            </a:r>
+            <a:r>
+              <a:rPr lang="en-US" sz="1400" dirty="0">
+                <a:solidFill>
+                  <a:srgbClr val="FF0000"/>
+                </a:solidFill>
+                <a:latin typeface="Courier"/>
+                <a:cs typeface="Courier"/>
+              </a:rPr>
+              <a:t>1:3</a:t>
+            </a:r>
+            <a:r>
+              <a:rPr lang="en-US" sz="1400" dirty="0">
+                <a:latin typeface="Courier"/>
+                <a:cs typeface="Courier"/>
+              </a:rPr>
+              <a:t>,</a:t>
+            </a:r>
+          </a:p>
+          <a:p>
+            <a:pPr marL="0" indent="0">
+              <a:lnSpc>
+                <a:spcPct val="90000"/>
+              </a:lnSpc>
+              <a:buNone/>
+            </a:pPr>
+            <a:r>
+              <a:rPr lang="en-US" sz="1400" dirty="0">
+                <a:latin typeface="Courier"/>
+                <a:cs typeface="Courier"/>
+              </a:rPr>
+              <a:t>                            group2.col = </a:t>
+            </a:r>
+            <a:r>
+              <a:rPr lang="en-US" sz="1400" dirty="0">
+                <a:solidFill>
+                  <a:srgbClr val="FF0000"/>
+                </a:solidFill>
+                <a:latin typeface="Courier"/>
+                <a:cs typeface="Courier"/>
+              </a:rPr>
+              <a:t>4:6</a:t>
+            </a:r>
+            <a:r>
+              <a:rPr lang="en-US" sz="1400" dirty="0">
+                <a:latin typeface="Courier"/>
+                <a:cs typeface="Courier"/>
+              </a:rPr>
+              <a:t>,</a:t>
+            </a:r>
+          </a:p>
+          <a:p>
+            <a:pPr marL="0" indent="0">
+              <a:lnSpc>
+                <a:spcPct val="90000"/>
+              </a:lnSpc>
+              <a:buNone/>
+            </a:pPr>
+            <a:r>
+              <a:rPr lang="en-US" sz="1400" dirty="0">
+                <a:latin typeface="Courier"/>
+                <a:cs typeface="Courier"/>
+              </a:rPr>
+              <a:t>                            comparison = </a:t>
+            </a:r>
+            <a:r>
+              <a:rPr lang="en-US" sz="1400" dirty="0">
+                <a:solidFill>
+                  <a:srgbClr val="FF0000"/>
+                </a:solidFill>
+                <a:latin typeface="Courier"/>
+                <a:cs typeface="Courier"/>
+              </a:rPr>
+              <a:t>c("norm", "cold")</a:t>
+            </a:r>
+            <a:r>
+              <a:rPr lang="en-US" sz="1400" dirty="0">
+                <a:latin typeface="Courier"/>
+                <a:cs typeface="Courier"/>
+              </a:rPr>
+              <a:t>,</a:t>
+            </a:r>
+          </a:p>
+          <a:p>
+            <a:pPr marL="0" indent="0">
+              <a:lnSpc>
+                <a:spcPct val="90000"/>
+              </a:lnSpc>
+              <a:buNone/>
+            </a:pPr>
+            <a:r>
+              <a:rPr lang="en-US" sz="1400" dirty="0">
+                <a:latin typeface="Courier"/>
+                <a:cs typeface="Courier"/>
+              </a:rPr>
+              <a:t>                            </a:t>
+            </a:r>
+            <a:r>
+              <a:rPr lang="en-US" sz="1400" dirty="0" err="1">
+                <a:latin typeface="Courier"/>
+                <a:cs typeface="Courier"/>
+              </a:rPr>
+              <a:t>geneID</a:t>
+            </a:r>
+            <a:r>
+              <a:rPr lang="en-US" sz="1400" dirty="0">
+                <a:latin typeface="Courier"/>
+                <a:cs typeface="Courier"/>
+              </a:rPr>
+              <a:t> = </a:t>
+            </a:r>
+            <a:r>
+              <a:rPr lang="en-US" sz="1400" dirty="0" err="1">
+                <a:latin typeface="Courier"/>
+                <a:cs typeface="Courier"/>
+              </a:rPr>
+              <a:t>rownames</a:t>
+            </a:r>
+            <a:r>
+              <a:rPr lang="en-US" sz="1400" dirty="0">
+                <a:latin typeface="Courier"/>
+                <a:cs typeface="Courier"/>
+              </a:rPr>
+              <a:t>(input),</a:t>
+            </a:r>
+          </a:p>
+          <a:p>
+            <a:pPr marL="0" indent="0">
+              <a:lnSpc>
+                <a:spcPct val="90000"/>
+              </a:lnSpc>
+              <a:buNone/>
+            </a:pPr>
+            <a:r>
+              <a:rPr lang="en-US" sz="1400" dirty="0">
+                <a:latin typeface="Courier"/>
+                <a:cs typeface="Courier"/>
+              </a:rPr>
+              <a:t>                            </a:t>
+            </a:r>
+            <a:r>
+              <a:rPr lang="en-US" sz="1400" dirty="0" err="1">
+                <a:latin typeface="Courier"/>
+                <a:cs typeface="Courier"/>
+              </a:rPr>
+              <a:t>fdr</a:t>
+            </a:r>
+            <a:r>
+              <a:rPr lang="en-US" sz="1400" dirty="0">
+                <a:latin typeface="Courier"/>
+                <a:cs typeface="Courier"/>
+              </a:rPr>
+              <a:t> = </a:t>
+            </a:r>
+            <a:r>
+              <a:rPr lang="en-US" sz="1400" dirty="0" err="1">
+                <a:latin typeface="Courier"/>
+                <a:cs typeface="Courier"/>
+              </a:rPr>
+              <a:t>fdr.cutoff</a:t>
+            </a:r>
+            <a:r>
+              <a:rPr lang="en-US" sz="1400" dirty="0">
+                <a:latin typeface="Courier"/>
+                <a:cs typeface="Courier"/>
+              </a:rPr>
+              <a:t>,</a:t>
+            </a:r>
+          </a:p>
+          <a:p>
+            <a:pPr marL="0" indent="0">
+              <a:lnSpc>
+                <a:spcPct val="90000"/>
+              </a:lnSpc>
+              <a:buNone/>
+            </a:pPr>
+            <a:r>
+              <a:rPr lang="en-US" sz="1400" dirty="0">
+                <a:latin typeface="Courier"/>
+                <a:cs typeface="Courier"/>
+              </a:rPr>
+              <a:t>                            </a:t>
+            </a:r>
+            <a:r>
+              <a:rPr lang="en-US" sz="1400" dirty="0" err="1">
+                <a:latin typeface="Courier"/>
+                <a:cs typeface="Courier"/>
+              </a:rPr>
+              <a:t>logpath</a:t>
+            </a:r>
+            <a:r>
+              <a:rPr lang="en-US" sz="1400" dirty="0">
+                <a:latin typeface="Courier"/>
+                <a:cs typeface="Courier"/>
+              </a:rPr>
+              <a:t> = ".",</a:t>
+            </a:r>
+          </a:p>
+          <a:p>
+            <a:pPr marL="0" indent="0">
+              <a:lnSpc>
+                <a:spcPct val="90000"/>
+              </a:lnSpc>
+              <a:buNone/>
+            </a:pPr>
+            <a:r>
+              <a:rPr lang="en-US" sz="1400" dirty="0">
+                <a:latin typeface="Courier"/>
+                <a:cs typeface="Courier"/>
+              </a:rPr>
+              <a:t>                            </a:t>
+            </a:r>
+            <a:r>
+              <a:rPr lang="en-US" sz="1400" dirty="0" err="1">
+                <a:latin typeface="Courier"/>
+                <a:cs typeface="Courier"/>
+              </a:rPr>
+              <a:t>logfile</a:t>
+            </a:r>
+            <a:r>
+              <a:rPr lang="en-US" sz="1400" dirty="0">
+                <a:latin typeface="Courier"/>
+                <a:cs typeface="Courier"/>
+              </a:rPr>
+              <a:t> = </a:t>
+            </a:r>
+            <a:r>
+              <a:rPr lang="en-US" sz="1400" dirty="0">
+                <a:solidFill>
+                  <a:srgbClr val="FF0000"/>
+                </a:solidFill>
+                <a:latin typeface="Courier"/>
+                <a:cs typeface="Courier"/>
+              </a:rPr>
+              <a:t>"cold-</a:t>
+            </a:r>
+            <a:r>
+              <a:rPr lang="en-US" sz="1400" dirty="0" err="1">
+                <a:solidFill>
+                  <a:srgbClr val="FF0000"/>
+                </a:solidFill>
+                <a:latin typeface="Courier"/>
+                <a:cs typeface="Courier"/>
+              </a:rPr>
+              <a:t>norm.log.md</a:t>
+            </a:r>
+            <a:r>
+              <a:rPr lang="en-US" sz="1400" dirty="0">
+                <a:solidFill>
+                  <a:srgbClr val="FF0000"/>
+                </a:solidFill>
+                <a:latin typeface="Courier"/>
+                <a:cs typeface="Courier"/>
+              </a:rPr>
+              <a:t>"</a:t>
+            </a:r>
+            <a:r>
+              <a:rPr lang="en-US" sz="1400" dirty="0">
+                <a:latin typeface="Courier"/>
+                <a:cs typeface="Courier"/>
+              </a:rPr>
+              <a:t>)</a:t>
+            </a:r>
+          </a:p>
+          <a:p>
+            <a:pPr marL="0" indent="0">
+              <a:lnSpc>
+                <a:spcPct val="90000"/>
+              </a:lnSpc>
+              <a:buNone/>
+            </a:pPr>
+            <a:endParaRPr lang="en-US" sz="1400" dirty="0">
+              <a:latin typeface="Courier"/>
+              <a:cs typeface="Courier"/>
+            </a:endParaRPr>
+          </a:p>
+          <a:p>
+            <a:pPr marL="0" indent="0">
+              <a:lnSpc>
+                <a:spcPct val="90000"/>
+              </a:lnSpc>
+              <a:buNone/>
+            </a:pPr>
+            <a:r>
+              <a:rPr lang="en-US" sz="1400" dirty="0">
+                <a:latin typeface="Courier"/>
+                <a:cs typeface="Courier"/>
+              </a:rPr>
+              <a:t># merge DE with counts and output DE result:</a:t>
+            </a:r>
+          </a:p>
+          <a:p>
+            <a:pPr marL="0" indent="0">
+              <a:lnSpc>
+                <a:spcPct val="90000"/>
+              </a:lnSpc>
+              <a:buNone/>
+            </a:pPr>
+            <a:r>
+              <a:rPr lang="en-US" sz="1400" dirty="0" err="1">
+                <a:latin typeface="Courier"/>
+                <a:cs typeface="Courier"/>
+              </a:rPr>
+              <a:t>DE.out</a:t>
+            </a:r>
+            <a:r>
+              <a:rPr lang="en-US" sz="1400" dirty="0">
+                <a:latin typeface="Courier"/>
+                <a:cs typeface="Courier"/>
+              </a:rPr>
+              <a:t> &lt;- </a:t>
+            </a:r>
+            <a:r>
+              <a:rPr lang="en-US" sz="1400" dirty="0" err="1">
+                <a:latin typeface="Courier"/>
+                <a:cs typeface="Courier"/>
+              </a:rPr>
+              <a:t>data.frame</a:t>
+            </a:r>
+            <a:r>
+              <a:rPr lang="en-US" sz="1400" dirty="0">
+                <a:latin typeface="Courier"/>
+                <a:cs typeface="Courier"/>
+              </a:rPr>
+              <a:t>(</a:t>
+            </a:r>
+            <a:r>
+              <a:rPr lang="en-US" sz="1400" dirty="0" err="1">
+                <a:latin typeface="Courier"/>
+                <a:cs typeface="Courier"/>
+              </a:rPr>
+              <a:t>DE.out</a:t>
+            </a:r>
+            <a:r>
+              <a:rPr lang="en-US" sz="1400" dirty="0">
+                <a:latin typeface="Courier"/>
+                <a:cs typeface="Courier"/>
+              </a:rPr>
+              <a:t>)</a:t>
+            </a:r>
+          </a:p>
+          <a:p>
+            <a:pPr marL="0" indent="0">
+              <a:lnSpc>
+                <a:spcPct val="90000"/>
+              </a:lnSpc>
+              <a:buNone/>
+            </a:pPr>
+            <a:r>
+              <a:rPr lang="en-US" sz="1400" dirty="0" err="1">
+                <a:latin typeface="Courier"/>
+                <a:cs typeface="Courier"/>
+              </a:rPr>
+              <a:t>final.out</a:t>
+            </a:r>
+            <a:r>
+              <a:rPr lang="en-US" sz="1400" dirty="0">
+                <a:latin typeface="Courier"/>
+                <a:cs typeface="Courier"/>
+              </a:rPr>
+              <a:t> &lt;- merge(</a:t>
+            </a:r>
+            <a:r>
+              <a:rPr lang="en-US" sz="1400" dirty="0" err="1">
+                <a:latin typeface="Courier"/>
+                <a:cs typeface="Courier"/>
+              </a:rPr>
+              <a:t>allcounts</a:t>
+            </a:r>
+            <a:r>
+              <a:rPr lang="en-US" sz="1400" dirty="0">
+                <a:latin typeface="Courier"/>
+                <a:cs typeface="Courier"/>
+              </a:rPr>
+              <a:t>, </a:t>
+            </a:r>
+            <a:r>
+              <a:rPr lang="en-US" sz="1400" dirty="0" err="1">
+                <a:latin typeface="Courier"/>
+                <a:cs typeface="Courier"/>
+              </a:rPr>
+              <a:t>DE.out</a:t>
+            </a:r>
+            <a:r>
+              <a:rPr lang="en-US" sz="1400" dirty="0">
+                <a:latin typeface="Courier"/>
+                <a:cs typeface="Courier"/>
+              </a:rPr>
+              <a:t>, </a:t>
+            </a:r>
+            <a:r>
+              <a:rPr lang="en-US" sz="1400" dirty="0" err="1">
+                <a:latin typeface="Courier"/>
+                <a:cs typeface="Courier"/>
+              </a:rPr>
+              <a:t>by.x</a:t>
+            </a:r>
+            <a:r>
+              <a:rPr lang="en-US" sz="1400" dirty="0">
+                <a:latin typeface="Courier"/>
+                <a:cs typeface="Courier"/>
+              </a:rPr>
+              <a:t> = </a:t>
+            </a:r>
+            <a:r>
+              <a:rPr lang="en-US" sz="1400" dirty="0">
+                <a:solidFill>
+                  <a:srgbClr val="FF0000"/>
+                </a:solidFill>
+                <a:latin typeface="Courier"/>
+                <a:cs typeface="Courier"/>
+              </a:rPr>
+              <a:t>"Gene"</a:t>
+            </a:r>
+            <a:r>
+              <a:rPr lang="en-US" sz="1400" dirty="0">
+                <a:latin typeface="Courier"/>
+                <a:cs typeface="Courier"/>
+              </a:rPr>
+              <a:t>, </a:t>
+            </a:r>
+            <a:r>
+              <a:rPr lang="en-US" sz="1400" dirty="0" err="1">
+                <a:latin typeface="Courier"/>
+                <a:cs typeface="Courier"/>
+              </a:rPr>
+              <a:t>by.y</a:t>
+            </a:r>
+            <a:r>
+              <a:rPr lang="en-US" sz="1400" dirty="0">
+                <a:latin typeface="Courier"/>
+                <a:cs typeface="Courier"/>
+              </a:rPr>
+              <a:t> = </a:t>
+            </a:r>
+            <a:r>
+              <a:rPr lang="en-US" sz="1400" dirty="0">
+                <a:solidFill>
+                  <a:srgbClr val="FF0000"/>
+                </a:solidFill>
+                <a:latin typeface="Courier"/>
+                <a:cs typeface="Courier"/>
+              </a:rPr>
+              <a:t>"</a:t>
+            </a:r>
+            <a:r>
+              <a:rPr lang="en-US" sz="1400" dirty="0" err="1">
+                <a:solidFill>
+                  <a:srgbClr val="FF0000"/>
+                </a:solidFill>
+                <a:latin typeface="Courier"/>
+                <a:cs typeface="Courier"/>
+              </a:rPr>
+              <a:t>GeneID</a:t>
+            </a:r>
+            <a:r>
+              <a:rPr lang="en-US" sz="1400" dirty="0">
+                <a:solidFill>
+                  <a:srgbClr val="FF0000"/>
+                </a:solidFill>
+                <a:latin typeface="Courier"/>
+                <a:cs typeface="Courier"/>
+              </a:rPr>
+              <a:t>"</a:t>
+            </a:r>
+            <a:r>
+              <a:rPr lang="en-US" sz="1400" dirty="0">
+                <a:latin typeface="Courier"/>
+                <a:cs typeface="Courier"/>
+              </a:rPr>
+              <a:t>)</a:t>
+            </a:r>
+          </a:p>
+          <a:p>
+            <a:pPr marL="0" indent="0">
+              <a:lnSpc>
+                <a:spcPct val="90000"/>
+              </a:lnSpc>
+              <a:buNone/>
+            </a:pPr>
+            <a:r>
+              <a:rPr lang="en-US" sz="1400" dirty="0" err="1">
+                <a:latin typeface="Courier"/>
+                <a:cs typeface="Courier"/>
+              </a:rPr>
+              <a:t>write.table</a:t>
+            </a:r>
+            <a:r>
+              <a:rPr lang="en-US" sz="1400" dirty="0">
+                <a:latin typeface="Courier"/>
+                <a:cs typeface="Courier"/>
+              </a:rPr>
+              <a:t>(</a:t>
+            </a:r>
+            <a:r>
+              <a:rPr lang="en-US" sz="1400" dirty="0" err="1">
+                <a:latin typeface="Courier"/>
+                <a:cs typeface="Courier"/>
+              </a:rPr>
+              <a:t>final.out</a:t>
+            </a:r>
+            <a:r>
+              <a:rPr lang="en-US" sz="1400" dirty="0">
+                <a:latin typeface="Courier"/>
+                <a:cs typeface="Courier"/>
+              </a:rPr>
+              <a:t>, </a:t>
+            </a:r>
+            <a:r>
+              <a:rPr lang="en-US" sz="1400" dirty="0">
+                <a:solidFill>
+                  <a:srgbClr val="FF0000"/>
+                </a:solidFill>
+                <a:latin typeface="Courier"/>
+                <a:cs typeface="Courier"/>
+              </a:rPr>
+              <a:t>"cold-norm.DESeq2.txt"</a:t>
+            </a:r>
+            <a:r>
+              <a:rPr lang="en-US" sz="1400" dirty="0">
+                <a:latin typeface="Courier"/>
+                <a:cs typeface="Courier"/>
+              </a:rPr>
+              <a:t>, </a:t>
+            </a:r>
+            <a:r>
+              <a:rPr lang="en-US" sz="1400" dirty="0" err="1">
+                <a:latin typeface="Courier"/>
+                <a:cs typeface="Courier"/>
+              </a:rPr>
+              <a:t>sep</a:t>
+            </a:r>
+            <a:r>
+              <a:rPr lang="en-US" sz="1400" dirty="0">
+                <a:latin typeface="Courier"/>
+                <a:cs typeface="Courier"/>
+              </a:rPr>
+              <a:t>="\t", quote=F, </a:t>
+            </a:r>
+            <a:r>
+              <a:rPr lang="en-US" sz="1400" dirty="0" err="1">
+                <a:latin typeface="Courier"/>
+                <a:cs typeface="Courier"/>
+              </a:rPr>
+              <a:t>row.names</a:t>
+            </a:r>
+            <a:r>
+              <a:rPr lang="en-US" sz="1400" dirty="0">
+                <a:latin typeface="Courier"/>
+                <a:cs typeface="Courier"/>
+              </a:rPr>
+              <a:t>=F)</a:t>
+            </a:r>
+          </a:p>
+        </p:txBody>
+      </p:sp>
+      <p:sp>
+        <p:nvSpPr>
+          <p:cNvPr id="4" name="TextBox 3">
+            <a:extLst>
+              <a:ext uri="{FF2B5EF4-FFF2-40B4-BE49-F238E27FC236}">
+                <a16:creationId xmlns:a16="http://schemas.microsoft.com/office/drawing/2014/main" id="{B907BF5C-8BA0-9942-9CDF-53EF9E6BB7A2}"/>
+              </a:ext>
+            </a:extLst>
+          </p:cNvPr>
+          <p:cNvSpPr txBox="1"/>
+          <p:nvPr/>
+        </p:nvSpPr>
+        <p:spPr>
+          <a:xfrm>
+            <a:off x="203200" y="177801"/>
+            <a:ext cx="407484" cy="584775"/>
+          </a:xfrm>
+          <a:prstGeom prst="rect">
+            <a:avLst/>
+          </a:prstGeom>
+          <a:noFill/>
+        </p:spPr>
+        <p:txBody>
+          <a:bodyPr wrap="none" rtlCol="0">
+            <a:spAutoFit/>
+          </a:bodyPr>
+          <a:lstStyle/>
+          <a:p>
+            <a:r>
+              <a:rPr lang="en-US" sz="3200" dirty="0">
+                <a:solidFill>
+                  <a:srgbClr val="00B050"/>
+                </a:solidFill>
+              </a:rPr>
+              <a:t>R</a:t>
+            </a:r>
+          </a:p>
+        </p:txBody>
+      </p:sp>
+    </p:spTree>
+    <p:extLst>
+      <p:ext uri="{BB962C8B-B14F-4D97-AF65-F5344CB8AC3E}">
+        <p14:creationId xmlns:p14="http://schemas.microsoft.com/office/powerpoint/2010/main" val="1253974658"/>
+      </p:ext>
+    </p:extLst>
+  </p:cSld>
+  <p:clrMapOvr>
+    <a:masterClrMapping/>
+  </p:clrMapOvr>
+</p:sld>
+</file>
+
+<file path=ppt/slides/slide33.xml><?xml version="1.0" encoding="utf-8"?>
+<p:sld xmlns:a="http://schemas.openxmlformats.org/drawingml/2006/main" xmlns:r="http://schemas.openxmlformats.org/officeDocument/2006/relationships" xmlns:p="http://schemas.openxmlformats.org/presentationml/2006/main">
+  <p:cSld>
+    <p:spTree>
+      <p:nvGrpSpPr>
+        <p:cNvPr id="1" name=""/>
+        <p:cNvGrpSpPr/>
+        <p:nvPr/>
+      </p:nvGrpSpPr>
+      <p:grpSpPr>
+        <a:xfrm>
+          <a:off x="0" y="0"/>
+          <a:ext cx="0" cy="0"/>
+          <a:chOff x="0" y="0"/>
+          <a:chExt cx="0" cy="0"/>
+        </a:xfrm>
+      </p:grpSpPr>
+      <p:sp>
+        <p:nvSpPr>
+          <p:cNvPr id="2" name="Title 1"/>
+          <p:cNvSpPr>
+            <a:spLocks noGrp="1"/>
+          </p:cNvSpPr>
+          <p:nvPr>
+            <p:ph type="title"/>
+          </p:nvPr>
+        </p:nvSpPr>
+        <p:spPr>
+          <a:xfrm>
+            <a:off x="457200" y="274638"/>
+            <a:ext cx="8229600" cy="656695"/>
+          </a:xfrm>
+        </p:spPr>
+        <p:txBody>
+          <a:bodyPr>
+            <a:normAutofit/>
+          </a:bodyPr>
+          <a:lstStyle/>
+          <a:p>
+            <a:r>
+              <a:rPr lang="en-US" sz="3200" dirty="0"/>
               <a:t>DE output</a:t>
             </a:r>
           </a:p>
@@ -20593,380 +21537,6 @@
 </p:sld>
 </file>
 
-<file path=ppt/slides/slide33.xml><?xml version="1.0" encoding="utf-8"?>
-<p:sld xmlns:a="http://schemas.openxmlformats.org/drawingml/2006/main" xmlns:r="http://schemas.openxmlformats.org/officeDocument/2006/relationships" xmlns:p="http://schemas.openxmlformats.org/presentationml/2006/main">
-  <p:cSld>
-    <p:spTree>
-      <p:nvGrpSpPr>
-        <p:cNvPr id="1" name=""/>
-        <p:cNvGrpSpPr/>
-        <p:nvPr/>
-      </p:nvGrpSpPr>
-      <p:grpSpPr>
-        <a:xfrm>
-          <a:off x="0" y="0"/>
-          <a:ext cx="0" cy="0"/>
-          <a:chOff x="0" y="0"/>
-          <a:chExt cx="0" cy="0"/>
-        </a:xfrm>
-      </p:grpSpPr>
-      <p:sp>
-        <p:nvSpPr>
-          <p:cNvPr id="2" name="Title 1"/>
-          <p:cNvSpPr>
-            <a:spLocks noGrp="1"/>
-          </p:cNvSpPr>
-          <p:nvPr>
-            <p:ph type="title"/>
-          </p:nvPr>
-        </p:nvSpPr>
-        <p:spPr>
-          <a:xfrm>
-            <a:off x="457200" y="274638"/>
-            <a:ext cx="8229600" cy="656695"/>
-          </a:xfrm>
-        </p:spPr>
-        <p:txBody>
-          <a:bodyPr>
-            <a:normAutofit/>
-          </a:bodyPr>
-          <a:lstStyle/>
-          <a:p>
-            <a:r>
-              <a:rPr lang="en-US" sz="3200" dirty="0"/>
-              <a:t>Part VI. DE summary</a:t>
-            </a:r>
-          </a:p>
-        </p:txBody>
-      </p:sp>
-      <p:sp>
-        <p:nvSpPr>
-          <p:cNvPr id="3" name="Content Placeholder 2"/>
-          <p:cNvSpPr>
-            <a:spLocks noGrp="1"/>
-          </p:cNvSpPr>
-          <p:nvPr>
-            <p:ph idx="1"/>
-          </p:nvPr>
-        </p:nvSpPr>
-        <p:spPr>
-          <a:xfrm>
-            <a:off x="457200" y="1579036"/>
-            <a:ext cx="8369300" cy="3503082"/>
-          </a:xfrm>
-        </p:spPr>
-        <p:txBody>
-          <a:bodyPr>
-            <a:noAutofit/>
-          </a:bodyPr>
-          <a:lstStyle/>
-          <a:p>
-            <a:pPr marL="0" indent="0">
-              <a:buNone/>
-            </a:pPr>
-            <a:r>
-              <a:rPr lang="en-US" sz="2400" dirty="0" err="1">
-                <a:latin typeface="Courier"/>
-                <a:cs typeface="Courier"/>
-              </a:rPr>
-              <a:t>de.summary</a:t>
-            </a:r>
-            <a:r>
-              <a:rPr lang="en-US" sz="2400" dirty="0">
-                <a:latin typeface="Courier"/>
-                <a:cs typeface="Courier"/>
-              </a:rPr>
-              <a:t> &lt;- </a:t>
-            </a:r>
-            <a:r>
-              <a:rPr lang="en-US" sz="2400" dirty="0" err="1">
-                <a:latin typeface="Courier"/>
-                <a:cs typeface="Courier"/>
-              </a:rPr>
-              <a:t>DE.summary</a:t>
-            </a:r>
-            <a:r>
-              <a:rPr lang="en-US" sz="2400" dirty="0">
-                <a:latin typeface="Courier"/>
-                <a:cs typeface="Courier"/>
-              </a:rPr>
-              <a:t>(</a:t>
-            </a:r>
-            <a:r>
-              <a:rPr lang="en-US" sz="2400" dirty="0" err="1">
-                <a:latin typeface="Courier"/>
-                <a:cs typeface="Courier"/>
-              </a:rPr>
-              <a:t>DE.path</a:t>
-            </a:r>
-            <a:r>
-              <a:rPr lang="en-US" sz="2400" dirty="0">
-                <a:latin typeface="Courier"/>
-                <a:cs typeface="Courier"/>
-              </a:rPr>
-              <a:t>=".",</a:t>
-            </a:r>
-          </a:p>
-          <a:p>
-            <a:pPr marL="0" indent="0">
-              <a:buNone/>
-            </a:pPr>
-            <a:r>
-              <a:rPr lang="en-US" sz="2400" dirty="0" err="1">
-                <a:latin typeface="Courier"/>
-                <a:cs typeface="Courier"/>
-              </a:rPr>
-              <a:t>DE.files</a:t>
-            </a:r>
-            <a:r>
-              <a:rPr lang="en-US" sz="2400" dirty="0">
-                <a:latin typeface="Courier"/>
-                <a:cs typeface="Courier"/>
-              </a:rPr>
-              <a:t>=</a:t>
-            </a:r>
-            <a:r>
-              <a:rPr lang="en-US" sz="2400" dirty="0">
-                <a:solidFill>
-                  <a:srgbClr val="FF0000"/>
-                </a:solidFill>
-                <a:latin typeface="Courier"/>
-                <a:cs typeface="Courier"/>
-              </a:rPr>
-              <a:t>"cold-norm.DESeq2.txt"</a:t>
-            </a:r>
-            <a:r>
-              <a:rPr lang="en-US" sz="2400" dirty="0">
-                <a:latin typeface="Courier"/>
-                <a:cs typeface="Courier"/>
-              </a:rPr>
-              <a:t>,</a:t>
-            </a:r>
-          </a:p>
-          <a:p>
-            <a:pPr marL="0" indent="0">
-              <a:buNone/>
-            </a:pPr>
-            <a:r>
-              <a:rPr lang="en-US" sz="2400" dirty="0">
-                <a:latin typeface="Courier"/>
-                <a:cs typeface="Courier"/>
-              </a:rPr>
-              <a:t>  </a:t>
-            </a:r>
-            <a:r>
-              <a:rPr lang="en-US" sz="2400" dirty="0" err="1">
-                <a:latin typeface="Courier"/>
-                <a:cs typeface="Courier"/>
-              </a:rPr>
-              <a:t>qval.feature</a:t>
-            </a:r>
-            <a:r>
-              <a:rPr lang="en-US" sz="2400" dirty="0">
-                <a:latin typeface="Courier"/>
-                <a:cs typeface="Courier"/>
-              </a:rPr>
-              <a:t>=".</a:t>
-            </a:r>
-            <a:r>
-              <a:rPr lang="en-US" sz="2400" dirty="0" err="1">
-                <a:latin typeface="Courier"/>
-                <a:cs typeface="Courier"/>
-              </a:rPr>
-              <a:t>qval</a:t>
-            </a:r>
-            <a:r>
-              <a:rPr lang="en-US" sz="2400" dirty="0">
-                <a:latin typeface="Courier"/>
-                <a:cs typeface="Courier"/>
-              </a:rPr>
-              <a:t>",</a:t>
-            </a:r>
-          </a:p>
-          <a:p>
-            <a:pPr marL="0" indent="0">
-              <a:buNone/>
-            </a:pPr>
-            <a:r>
-              <a:rPr lang="en-US" sz="2400" dirty="0">
-                <a:latin typeface="Courier"/>
-                <a:cs typeface="Courier"/>
-              </a:rPr>
-              <a:t>  log2FC.feature=".log2FC",</a:t>
-            </a:r>
-          </a:p>
-          <a:p>
-            <a:pPr marL="0" indent="0">
-              <a:buNone/>
-            </a:pPr>
-            <a:r>
-              <a:rPr lang="en-US" sz="2400" dirty="0">
-                <a:latin typeface="Courier"/>
-                <a:cs typeface="Courier"/>
-              </a:rPr>
-              <a:t>  </a:t>
-            </a:r>
-            <a:r>
-              <a:rPr lang="en-US" sz="2400" dirty="0" err="1">
-                <a:latin typeface="Courier"/>
-                <a:cs typeface="Courier"/>
-              </a:rPr>
-              <a:t>fdr</a:t>
-            </a:r>
-            <a:r>
-              <a:rPr lang="en-US" sz="2400" dirty="0">
-                <a:latin typeface="Courier"/>
-                <a:cs typeface="Courier"/>
-              </a:rPr>
-              <a:t>=</a:t>
-            </a:r>
-            <a:r>
-              <a:rPr lang="en-US" sz="2400" dirty="0" err="1">
-                <a:latin typeface="Courier"/>
-                <a:cs typeface="Courier"/>
-              </a:rPr>
-              <a:t>fdr.cutoff</a:t>
-            </a:r>
-            <a:r>
-              <a:rPr lang="en-US" sz="2400" dirty="0">
-                <a:latin typeface="Courier"/>
-                <a:cs typeface="Courier"/>
-              </a:rPr>
-              <a:t>,</a:t>
-            </a:r>
-          </a:p>
-          <a:p>
-            <a:pPr marL="0" indent="0">
-              <a:buNone/>
-            </a:pPr>
-            <a:r>
-              <a:rPr lang="en-US" sz="2400" dirty="0">
-                <a:latin typeface="Courier"/>
-                <a:cs typeface="Courier"/>
-              </a:rPr>
-              <a:t>  </a:t>
-            </a:r>
-            <a:r>
-              <a:rPr lang="en-US" sz="2400" dirty="0" err="1">
-                <a:latin typeface="Courier"/>
-                <a:cs typeface="Courier"/>
-              </a:rPr>
-              <a:t>out.path</a:t>
-            </a:r>
-            <a:r>
-              <a:rPr lang="en-US" sz="2400" dirty="0">
-                <a:latin typeface="Courier"/>
-                <a:cs typeface="Courier"/>
-              </a:rPr>
-              <a:t>=".",</a:t>
-            </a:r>
-          </a:p>
-          <a:p>
-            <a:pPr marL="0" indent="0">
-              <a:buNone/>
-            </a:pPr>
-            <a:r>
-              <a:rPr lang="en-US" sz="2400" dirty="0">
-                <a:latin typeface="Courier"/>
-                <a:cs typeface="Courier"/>
-              </a:rPr>
-              <a:t>  </a:t>
-            </a:r>
-            <a:r>
-              <a:rPr lang="en-US" sz="2400" dirty="0" err="1">
-                <a:latin typeface="Courier"/>
-                <a:cs typeface="Courier"/>
-              </a:rPr>
-              <a:t>out.file</a:t>
-            </a:r>
-            <a:r>
-              <a:rPr lang="en-US" sz="2400" dirty="0">
-                <a:latin typeface="Courier"/>
-                <a:cs typeface="Courier"/>
-              </a:rPr>
-              <a:t>=</a:t>
-            </a:r>
-            <a:r>
-              <a:rPr lang="en-US" sz="2400" dirty="0">
-                <a:solidFill>
-                  <a:srgbClr val="FF0000"/>
-                </a:solidFill>
-                <a:latin typeface="Courier"/>
-                <a:cs typeface="Courier"/>
-              </a:rPr>
-              <a:t>"cold-norm.DESeq2.summary.txt"</a:t>
-            </a:r>
-            <a:r>
-              <a:rPr lang="en-US" sz="2400" dirty="0">
-                <a:latin typeface="Courier"/>
-                <a:cs typeface="Courier"/>
-              </a:rPr>
-              <a:t>)</a:t>
-            </a:r>
-          </a:p>
-          <a:p>
-            <a:pPr marL="0" indent="0">
-              <a:buNone/>
-            </a:pPr>
-            <a:endParaRPr lang="en-US" sz="2400" dirty="0">
-              <a:latin typeface="Courier"/>
-              <a:cs typeface="Courier"/>
-            </a:endParaRPr>
-          </a:p>
-        </p:txBody>
-      </p:sp>
-      <p:sp>
-        <p:nvSpPr>
-          <p:cNvPr id="4" name="TextBox 3">
-            <a:extLst>
-              <a:ext uri="{FF2B5EF4-FFF2-40B4-BE49-F238E27FC236}">
-                <a16:creationId xmlns:a16="http://schemas.microsoft.com/office/drawing/2014/main" id="{07DCD932-C357-FE4B-857E-0ED725A9F06C}"/>
-              </a:ext>
-            </a:extLst>
-          </p:cNvPr>
-          <p:cNvSpPr txBox="1"/>
-          <p:nvPr/>
-        </p:nvSpPr>
-        <p:spPr>
-          <a:xfrm>
-            <a:off x="203200" y="177801"/>
-            <a:ext cx="407484" cy="584775"/>
-          </a:xfrm>
-          <a:prstGeom prst="rect">
-            <a:avLst/>
-          </a:prstGeom>
-          <a:noFill/>
-        </p:spPr>
-        <p:txBody>
-          <a:bodyPr wrap="none" rtlCol="0">
-            <a:spAutoFit/>
-          </a:bodyPr>
-          <a:lstStyle/>
-          <a:p>
-            <a:r>
-              <a:rPr lang="en-US" sz="3200" dirty="0">
-                <a:solidFill>
-                  <a:srgbClr val="00B050"/>
-                </a:solidFill>
-              </a:rPr>
-              <a:t>R</a:t>
-            </a:r>
-          </a:p>
-        </p:txBody>
-      </p:sp>
-    </p:spTree>
-    <p:extLst>
-      <p:ext uri="{BB962C8B-B14F-4D97-AF65-F5344CB8AC3E}">
-        <p14:creationId xmlns:p14="http://schemas.microsoft.com/office/powerpoint/2010/main" val="2267155015"/>
-      </p:ext>
-    </p:extLst>
-  </p:cSld>
-  <p:clrMapOvr>
-    <a:masterClrMapping/>
-  </p:clrMapOvr>
-</p:sld>
-</file>
-
 <file path=ppt/slides/slide34.xml><?xml version="1.0" encoding="utf-8"?>
 <p:sld xmlns:a="http://schemas.openxmlformats.org/drawingml/2006/main" xmlns:r="http://schemas.openxmlformats.org/officeDocument/2006/relationships" xmlns:p="http://schemas.openxmlformats.org/presentationml/2006/main">
   <p:cSld>
@@ -21008,7 +21578,7 @@
           <a:p>
             <a:r>
               <a:rPr lang="en-US" sz="3200" dirty="0"/>
-              <a:t>Part V. DE</a:t>
+              <a:t>Part VI. DE summary</a:t>
             </a:r>
           </a:p>
         </p:txBody>
@@ -21025,8 +21595,8 @@
         </p:nvSpPr>
         <p:spPr>
           <a:xfrm>
-            <a:off x="228600" y="862057"/>
-            <a:ext cx="8712200" cy="5721305"/>
+            <a:off x="457200" y="1579036"/>
+            <a:ext cx="8369300" cy="3503082"/>
           </a:xfrm>
         </p:spPr>
         <p:txBody>
@@ -21036,844 +21606,257 @@
           <a:lstStyle/>
           <a:p>
             <a:pPr marL="0" indent="0">
-              <a:lnSpc>
-                <a:spcPct val="90000"/>
-              </a:lnSpc>
               <a:buNone/>
             </a:pPr>
             <a:r>
-              <a:rPr lang="en-US" sz="1400" dirty="0">
-                <a:latin typeface="Courier"/>
-                <a:cs typeface="Courier"/>
-              </a:rPr>
-              <a:t>### load modules</a:t>
+              <a:rPr lang="en-US" sz="2400" dirty="0" err="1">
+                <a:latin typeface="Courier"/>
+                <a:cs typeface="Courier"/>
+              </a:rPr>
+              <a:t>de.summary</a:t>
+            </a:r>
+            <a:r>
+              <a:rPr lang="en-US" sz="2400" dirty="0">
+                <a:latin typeface="Courier"/>
+                <a:cs typeface="Courier"/>
+              </a:rPr>
+              <a:t> &lt;- </a:t>
+            </a:r>
+            <a:r>
+              <a:rPr lang="en-US" sz="2400" dirty="0" err="1">
+                <a:latin typeface="Courier"/>
+                <a:cs typeface="Courier"/>
+              </a:rPr>
+              <a:t>DE.summary</a:t>
+            </a:r>
+            <a:r>
+              <a:rPr lang="en-US" sz="2400" dirty="0">
+                <a:latin typeface="Courier"/>
+                <a:cs typeface="Courier"/>
+              </a:rPr>
+              <a:t>(</a:t>
+            </a:r>
+            <a:r>
+              <a:rPr lang="en-US" sz="2400" dirty="0" err="1">
+                <a:latin typeface="Courier"/>
+                <a:cs typeface="Courier"/>
+              </a:rPr>
+              <a:t>DE.path</a:t>
+            </a:r>
+            <a:r>
+              <a:rPr lang="en-US" sz="2400" dirty="0">
+                <a:latin typeface="Courier"/>
+                <a:cs typeface="Courier"/>
+              </a:rPr>
+              <a:t>=".",</a:t>
             </a:r>
           </a:p>
           <a:p>
             <a:pPr marL="0" indent="0">
-              <a:lnSpc>
-                <a:spcPct val="90000"/>
-              </a:lnSpc>
               <a:buNone/>
             </a:pPr>
             <a:r>
-              <a:rPr lang="en-US" sz="1400" dirty="0">
-                <a:latin typeface="Courier"/>
-                <a:cs typeface="Courier"/>
-              </a:rPr>
-              <a:t>source("../utils/scripts/DESeq2.single.trt.R")</a:t>
-            </a:r>
-          </a:p>
-          <a:p>
-            <a:pPr marL="0" indent="0">
-              <a:lnSpc>
-                <a:spcPct val="90000"/>
-              </a:lnSpc>
-              <a:buNone/>
-            </a:pPr>
-            <a:r>
-              <a:rPr lang="en-US" sz="1400" dirty="0">
-                <a:latin typeface="Courier"/>
-                <a:cs typeface="Courier"/>
-              </a:rPr>
-              <a:t>source("../utils/scripts/</a:t>
-            </a:r>
-            <a:r>
-              <a:rPr lang="en-US" sz="1400" dirty="0" err="1">
-                <a:latin typeface="Courier"/>
-                <a:cs typeface="Courier"/>
-              </a:rPr>
-              <a:t>DE.summary.R</a:t>
-            </a:r>
-            <a:r>
-              <a:rPr lang="en-US" sz="1400" dirty="0">
-                <a:latin typeface="Courier"/>
-                <a:cs typeface="Courier"/>
-              </a:rPr>
-              <a:t>")</a:t>
-            </a:r>
-          </a:p>
-          <a:p>
-            <a:pPr marL="0" indent="0">
-              <a:lnSpc>
-                <a:spcPct val="90000"/>
-              </a:lnSpc>
-              <a:buNone/>
-            </a:pPr>
-            <a:r>
-              <a:rPr lang="en-US" sz="1400" dirty="0">
-                <a:latin typeface="Courier"/>
-                <a:cs typeface="Courier"/>
-              </a:rPr>
-              <a:t>### DE parameters</a:t>
-            </a:r>
-          </a:p>
-          <a:p>
-            <a:pPr marL="0" indent="0">
-              <a:lnSpc>
-                <a:spcPct val="90000"/>
-              </a:lnSpc>
-              <a:buNone/>
-            </a:pPr>
-            <a:r>
-              <a:rPr lang="en-US" sz="1400" dirty="0" err="1">
-                <a:latin typeface="Courier"/>
-                <a:cs typeface="Courier"/>
-              </a:rPr>
-              <a:t>fdr.cutoff</a:t>
-            </a:r>
-            <a:r>
-              <a:rPr lang="en-US" sz="1400" dirty="0">
-                <a:latin typeface="Courier"/>
-                <a:cs typeface="Courier"/>
-              </a:rPr>
-              <a:t> &lt;- 0.05</a:t>
-            </a:r>
-          </a:p>
-          <a:p>
-            <a:pPr marL="0" indent="0">
-              <a:lnSpc>
-                <a:spcPct val="90000"/>
-              </a:lnSpc>
-              <a:buNone/>
-            </a:pPr>
-            <a:r>
-              <a:rPr lang="en-US" sz="1400" dirty="0">
-                <a:latin typeface="Courier"/>
-                <a:cs typeface="Courier"/>
-              </a:rPr>
-              <a:t># data reformat:</a:t>
-            </a:r>
-          </a:p>
-          <a:p>
-            <a:pPr marL="0" indent="0">
-              <a:lnSpc>
-                <a:spcPct val="90000"/>
-              </a:lnSpc>
-              <a:buNone/>
-            </a:pPr>
-            <a:r>
-              <a:rPr lang="en-US" sz="1400" dirty="0">
-                <a:latin typeface="Courier"/>
-                <a:cs typeface="Courier"/>
-              </a:rPr>
-              <a:t>input &lt;- </a:t>
-            </a:r>
-            <a:r>
-              <a:rPr lang="en-US" sz="1400" dirty="0" err="1">
-                <a:latin typeface="Courier"/>
-                <a:cs typeface="Courier"/>
-              </a:rPr>
-              <a:t>allcounts</a:t>
-            </a:r>
-            <a:r>
-              <a:rPr lang="en-US" sz="1400" dirty="0">
-                <a:latin typeface="Courier"/>
-                <a:cs typeface="Courier"/>
-              </a:rPr>
-              <a:t>[, </a:t>
-            </a:r>
-            <a:r>
-              <a:rPr lang="en-US" sz="1400" dirty="0">
+              <a:rPr lang="en-US" sz="2400" dirty="0" err="1">
+                <a:latin typeface="Courier"/>
+                <a:cs typeface="Courier"/>
+              </a:rPr>
+              <a:t>DE.files</a:t>
+            </a:r>
+            <a:r>
+              <a:rPr lang="en-US" sz="2400" dirty="0">
+                <a:latin typeface="Courier"/>
+                <a:cs typeface="Courier"/>
+              </a:rPr>
+              <a:t>=</a:t>
+            </a:r>
+            <a:r>
+              <a:rPr lang="en-US" sz="2400" dirty="0">
                 <a:solidFill>
                   <a:srgbClr val="FF0000"/>
                 </a:solidFill>
                 <a:latin typeface="Courier"/>
                 <a:cs typeface="Courier"/>
               </a:rPr>
-              <a:t>2:7</a:t>
-            </a:r>
-            <a:r>
-              <a:rPr lang="en-US" sz="1400" dirty="0">
-                <a:latin typeface="Courier"/>
-                <a:cs typeface="Courier"/>
-              </a:rPr>
-              <a:t>]</a:t>
+              <a:t>"cold-norm.DESeq2.txt"</a:t>
+            </a:r>
+            <a:r>
+              <a:rPr lang="en-US" sz="2400" dirty="0">
+                <a:latin typeface="Courier"/>
+                <a:cs typeface="Courier"/>
+              </a:rPr>
+              <a:t>,</a:t>
             </a:r>
           </a:p>
           <a:p>
             <a:pPr marL="0" indent="0">
-              <a:lnSpc>
-                <a:spcPct val="90000"/>
-              </a:lnSpc>
               <a:buNone/>
             </a:pPr>
             <a:r>
-              <a:rPr lang="en-US" sz="1400" dirty="0" err="1">
-                <a:latin typeface="Courier"/>
-                <a:cs typeface="Courier"/>
-              </a:rPr>
-              <a:t>rownames</a:t>
-            </a:r>
-            <a:r>
-              <a:rPr lang="en-US" sz="1400" dirty="0">
-                <a:latin typeface="Courier"/>
-                <a:cs typeface="Courier"/>
-              </a:rPr>
-              <a:t>(input) &lt;- </a:t>
-            </a:r>
-            <a:r>
-              <a:rPr lang="en-US" sz="1400" dirty="0" err="1">
-                <a:latin typeface="Courier"/>
-                <a:cs typeface="Courier"/>
-              </a:rPr>
-              <a:t>allcounts</a:t>
-            </a:r>
-            <a:r>
-              <a:rPr lang="en-US" sz="1400" dirty="0">
-                <a:latin typeface="Courier"/>
-                <a:cs typeface="Courier"/>
-              </a:rPr>
-              <a:t>[, 1]</a:t>
+              <a:rPr lang="en-US" sz="2400" dirty="0">
+                <a:latin typeface="Courier"/>
+                <a:cs typeface="Courier"/>
+              </a:rPr>
+              <a:t>  </a:t>
+            </a:r>
+            <a:r>
+              <a:rPr lang="en-US" sz="2400" dirty="0" err="1">
+                <a:latin typeface="Courier"/>
+                <a:cs typeface="Courier"/>
+              </a:rPr>
+              <a:t>qval.feature</a:t>
+            </a:r>
+            <a:r>
+              <a:rPr lang="en-US" sz="2400" dirty="0">
+                <a:latin typeface="Courier"/>
+                <a:cs typeface="Courier"/>
+              </a:rPr>
+              <a:t>=".</a:t>
+            </a:r>
+            <a:r>
+              <a:rPr lang="en-US" sz="2400" dirty="0" err="1">
+                <a:latin typeface="Courier"/>
+                <a:cs typeface="Courier"/>
+              </a:rPr>
+              <a:t>qval</a:t>
+            </a:r>
+            <a:r>
+              <a:rPr lang="en-US" sz="2400" dirty="0">
+                <a:latin typeface="Courier"/>
+                <a:cs typeface="Courier"/>
+              </a:rPr>
+              <a:t>",</a:t>
             </a:r>
           </a:p>
           <a:p>
             <a:pPr marL="0" indent="0">
-              <a:lnSpc>
-                <a:spcPct val="90000"/>
-              </a:lnSpc>
               <a:buNone/>
             </a:pPr>
             <a:r>
-              <a:rPr lang="en-US" sz="1400" dirty="0">
-                <a:latin typeface="Courier"/>
-                <a:cs typeface="Courier"/>
-              </a:rPr>
-              <a:t># DE statistical analysis:</a:t>
+              <a:rPr lang="en-US" sz="2400" dirty="0">
+                <a:latin typeface="Courier"/>
+                <a:cs typeface="Courier"/>
+              </a:rPr>
+              <a:t>  log2FC.feature=".log2FC",</a:t>
             </a:r>
           </a:p>
           <a:p>
             <a:pPr marL="0" indent="0">
-              <a:lnSpc>
-                <a:spcPct val="90000"/>
-              </a:lnSpc>
               <a:buNone/>
             </a:pPr>
             <a:r>
-              <a:rPr lang="en-US" sz="1400" dirty="0" err="1">
-                <a:latin typeface="Courier"/>
-                <a:cs typeface="Courier"/>
-              </a:rPr>
-              <a:t>DE.out</a:t>
-            </a:r>
-            <a:r>
-              <a:rPr lang="en-US" sz="1400" dirty="0">
-                <a:latin typeface="Courier"/>
-                <a:cs typeface="Courier"/>
-              </a:rPr>
-              <a:t> &lt;- DESeq2.single.trt(</a:t>
-            </a:r>
-            <a:r>
-              <a:rPr lang="en-US" sz="1400" dirty="0" err="1">
-                <a:latin typeface="Courier"/>
-                <a:cs typeface="Courier"/>
-              </a:rPr>
-              <a:t>input.matrix</a:t>
-            </a:r>
-            <a:r>
-              <a:rPr lang="en-US" sz="1400" dirty="0">
-                <a:latin typeface="Courier"/>
-                <a:cs typeface="Courier"/>
-              </a:rPr>
-              <a:t> = input,</a:t>
+              <a:rPr lang="en-US" sz="2400" dirty="0">
+                <a:latin typeface="Courier"/>
+                <a:cs typeface="Courier"/>
+              </a:rPr>
+              <a:t>  </a:t>
+            </a:r>
+            <a:r>
+              <a:rPr lang="en-US" sz="2400" dirty="0" err="1">
+                <a:latin typeface="Courier"/>
+                <a:cs typeface="Courier"/>
+              </a:rPr>
+              <a:t>fdr</a:t>
+            </a:r>
+            <a:r>
+              <a:rPr lang="en-US" sz="2400" dirty="0">
+                <a:latin typeface="Courier"/>
+                <a:cs typeface="Courier"/>
+              </a:rPr>
+              <a:t>=</a:t>
+            </a:r>
+            <a:r>
+              <a:rPr lang="en-US" sz="2400" dirty="0" err="1">
+                <a:latin typeface="Courier"/>
+                <a:cs typeface="Courier"/>
+              </a:rPr>
+              <a:t>fdr.cutoff</a:t>
+            </a:r>
+            <a:r>
+              <a:rPr lang="en-US" sz="2400" dirty="0">
+                <a:latin typeface="Courier"/>
+                <a:cs typeface="Courier"/>
+              </a:rPr>
+              <a:t>,</a:t>
             </a:r>
           </a:p>
           <a:p>
             <a:pPr marL="0" indent="0">
-              <a:lnSpc>
-                <a:spcPct val="90000"/>
-              </a:lnSpc>
               <a:buNone/>
             </a:pPr>
             <a:r>
-              <a:rPr lang="en-US" sz="1400" dirty="0">
-                <a:latin typeface="Courier"/>
-                <a:cs typeface="Courier"/>
-              </a:rPr>
-              <a:t>                            </a:t>
-            </a:r>
-            <a:r>
-              <a:rPr lang="en-US" sz="1400" dirty="0" err="1">
-                <a:latin typeface="Courier"/>
-                <a:cs typeface="Courier"/>
-              </a:rPr>
-              <a:t>min.mean.reads</a:t>
-            </a:r>
-            <a:r>
-              <a:rPr lang="en-US" sz="1400" dirty="0">
-                <a:latin typeface="Courier"/>
-                <a:cs typeface="Courier"/>
-              </a:rPr>
-              <a:t> = 5,</a:t>
+              <a:rPr lang="en-US" sz="2400" dirty="0">
+                <a:latin typeface="Courier"/>
+                <a:cs typeface="Courier"/>
+              </a:rPr>
+              <a:t>  </a:t>
+            </a:r>
+            <a:r>
+              <a:rPr lang="en-US" sz="2400" dirty="0" err="1">
+                <a:latin typeface="Courier"/>
+                <a:cs typeface="Courier"/>
+              </a:rPr>
+              <a:t>out.path</a:t>
+            </a:r>
+            <a:r>
+              <a:rPr lang="en-US" sz="2400" dirty="0">
+                <a:latin typeface="Courier"/>
+                <a:cs typeface="Courier"/>
+              </a:rPr>
+              <a:t>=".",</a:t>
             </a:r>
           </a:p>
           <a:p>
             <a:pPr marL="0" indent="0">
-              <a:lnSpc>
-                <a:spcPct val="90000"/>
-              </a:lnSpc>
               <a:buNone/>
             </a:pPr>
             <a:r>
-              <a:rPr lang="en-US" sz="1400" dirty="0">
-                <a:latin typeface="Courier"/>
-                <a:cs typeface="Courier"/>
-              </a:rPr>
-              <a:t>                            group1.col = </a:t>
-            </a:r>
-            <a:r>
-              <a:rPr lang="en-US" sz="1400" dirty="0">
+              <a:rPr lang="en-US" sz="2400" dirty="0">
+                <a:latin typeface="Courier"/>
+                <a:cs typeface="Courier"/>
+              </a:rPr>
+              <a:t>  </a:t>
+            </a:r>
+            <a:r>
+              <a:rPr lang="en-US" sz="2400" dirty="0" err="1">
+                <a:latin typeface="Courier"/>
+                <a:cs typeface="Courier"/>
+              </a:rPr>
+              <a:t>out.file</a:t>
+            </a:r>
+            <a:r>
+              <a:rPr lang="en-US" sz="2400" dirty="0">
+                <a:latin typeface="Courier"/>
+                <a:cs typeface="Courier"/>
+              </a:rPr>
+              <a:t>=</a:t>
+            </a:r>
+            <a:r>
+              <a:rPr lang="en-US" sz="2400" dirty="0">
                 <a:solidFill>
                   <a:srgbClr val="FF0000"/>
                 </a:solidFill>
                 <a:latin typeface="Courier"/>
                 <a:cs typeface="Courier"/>
               </a:rPr>
-              <a:t>1:3</a:t>
-            </a:r>
-            <a:r>
-              <a:rPr lang="en-US" sz="1400" dirty="0">
-                <a:latin typeface="Courier"/>
-                <a:cs typeface="Courier"/>
-              </a:rPr>
-              <a:t>,</a:t>
+              <a:t>"cold-norm.DESeq2.summary.txt"</a:t>
+            </a:r>
+            <a:r>
+              <a:rPr lang="en-US" sz="2400" dirty="0">
+                <a:latin typeface="Courier"/>
+                <a:cs typeface="Courier"/>
+              </a:rPr>
+              <a:t>)</a:t>
             </a:r>
           </a:p>
           <a:p>
             <a:pPr marL="0" indent="0">
-              <a:lnSpc>
-                <a:spcPct val="90000"/>
-              </a:lnSpc>
               <a:buNone/>
             </a:pPr>
-            <a:r>
-              <a:rPr lang="en-US" sz="1400" dirty="0">
-                <a:latin typeface="Courier"/>
-                <a:cs typeface="Courier"/>
-              </a:rPr>
-              <a:t>                            group2.col = </a:t>
-            </a:r>
-            <a:r>
-              <a:rPr lang="en-US" sz="1400" dirty="0">
-                <a:solidFill>
-                  <a:srgbClr val="FF0000"/>
-                </a:solidFill>
-                <a:latin typeface="Courier"/>
-                <a:cs typeface="Courier"/>
-              </a:rPr>
-              <a:t>4:6</a:t>
-            </a:r>
-            <a:r>
-              <a:rPr lang="en-US" sz="1400" dirty="0">
-                <a:latin typeface="Courier"/>
-                <a:cs typeface="Courier"/>
-              </a:rPr>
-              <a:t>,</a:t>
-            </a:r>
-          </a:p>
-          <a:p>
-            <a:pPr marL="0" indent="0">
-              <a:lnSpc>
-                <a:spcPct val="90000"/>
-              </a:lnSpc>
-              <a:buNone/>
-            </a:pPr>
-            <a:r>
-              <a:rPr lang="en-US" sz="1400" dirty="0">
-                <a:latin typeface="Courier"/>
-                <a:cs typeface="Courier"/>
-              </a:rPr>
-              <a:t>                            comparison = </a:t>
-            </a:r>
-            <a:r>
-              <a:rPr lang="en-US" sz="1400" dirty="0">
-                <a:solidFill>
-                  <a:srgbClr val="FF0000"/>
-                </a:solidFill>
-                <a:latin typeface="Courier"/>
-                <a:cs typeface="Courier"/>
-              </a:rPr>
-              <a:t>c("norm", "cold")</a:t>
-            </a:r>
-            <a:r>
-              <a:rPr lang="en-US" sz="1400" dirty="0">
-                <a:latin typeface="Courier"/>
-                <a:cs typeface="Courier"/>
-              </a:rPr>
-              <a:t>,</a:t>
-            </a:r>
-          </a:p>
-          <a:p>
-            <a:pPr marL="0" indent="0">
-              <a:lnSpc>
-                <a:spcPct val="90000"/>
-              </a:lnSpc>
-              <a:buNone/>
-            </a:pPr>
-            <a:r>
-              <a:rPr lang="en-US" sz="1400" dirty="0">
-                <a:latin typeface="Courier"/>
-                <a:cs typeface="Courier"/>
-              </a:rPr>
-              <a:t>                            </a:t>
-            </a:r>
-            <a:r>
-              <a:rPr lang="en-US" sz="1400" dirty="0" err="1">
-                <a:latin typeface="Courier"/>
-                <a:cs typeface="Courier"/>
-              </a:rPr>
-              <a:t>geneID</a:t>
-            </a:r>
-            <a:r>
-              <a:rPr lang="en-US" sz="1400" dirty="0">
-                <a:latin typeface="Courier"/>
-                <a:cs typeface="Courier"/>
-              </a:rPr>
-              <a:t> = </a:t>
-            </a:r>
-            <a:r>
-              <a:rPr lang="en-US" sz="1400" dirty="0" err="1">
-                <a:latin typeface="Courier"/>
-                <a:cs typeface="Courier"/>
-              </a:rPr>
-              <a:t>rownames</a:t>
-            </a:r>
-            <a:r>
-              <a:rPr lang="en-US" sz="1400" dirty="0">
-                <a:latin typeface="Courier"/>
-                <a:cs typeface="Courier"/>
-              </a:rPr>
-              <a:t>(input),</a:t>
-            </a:r>
-          </a:p>
-          <a:p>
-            <a:pPr marL="0" indent="0">
-              <a:lnSpc>
-                <a:spcPct val="90000"/>
-              </a:lnSpc>
-              <a:buNone/>
-            </a:pPr>
-            <a:r>
-              <a:rPr lang="en-US" sz="1400" dirty="0">
-                <a:latin typeface="Courier"/>
-                <a:cs typeface="Courier"/>
-              </a:rPr>
-              <a:t>                            </a:t>
-            </a:r>
-            <a:r>
-              <a:rPr lang="en-US" sz="1400" dirty="0" err="1">
-                <a:latin typeface="Courier"/>
-                <a:cs typeface="Courier"/>
-              </a:rPr>
-              <a:t>fdr</a:t>
-            </a:r>
-            <a:r>
-              <a:rPr lang="en-US" sz="1400" dirty="0">
-                <a:latin typeface="Courier"/>
-                <a:cs typeface="Courier"/>
-              </a:rPr>
-              <a:t> = </a:t>
-            </a:r>
-            <a:r>
-              <a:rPr lang="en-US" sz="1400" dirty="0" err="1">
-                <a:latin typeface="Courier"/>
-                <a:cs typeface="Courier"/>
-              </a:rPr>
-              <a:t>fdr.cutoff</a:t>
-            </a:r>
-            <a:r>
-              <a:rPr lang="en-US" sz="1400" dirty="0">
-                <a:latin typeface="Courier"/>
-                <a:cs typeface="Courier"/>
-              </a:rPr>
-              <a:t>,</a:t>
-            </a:r>
-          </a:p>
-          <a:p>
-            <a:pPr marL="0" indent="0">
-              <a:lnSpc>
-                <a:spcPct val="90000"/>
-              </a:lnSpc>
-              <a:buNone/>
-            </a:pPr>
-            <a:r>
-              <a:rPr lang="en-US" sz="1400" dirty="0">
-                <a:latin typeface="Courier"/>
-                <a:cs typeface="Courier"/>
-              </a:rPr>
-              <a:t>                            </a:t>
-            </a:r>
-            <a:r>
-              <a:rPr lang="en-US" sz="1400" dirty="0" err="1">
-                <a:latin typeface="Courier"/>
-                <a:cs typeface="Courier"/>
-              </a:rPr>
-              <a:t>logpath</a:t>
-            </a:r>
-            <a:r>
-              <a:rPr lang="en-US" sz="1400" dirty="0">
-                <a:latin typeface="Courier"/>
-                <a:cs typeface="Courier"/>
-              </a:rPr>
-              <a:t> = ".",</a:t>
-            </a:r>
-          </a:p>
-          <a:p>
-            <a:pPr marL="0" indent="0">
-              <a:lnSpc>
-                <a:spcPct val="90000"/>
-              </a:lnSpc>
-              <a:buNone/>
-            </a:pPr>
-            <a:r>
-              <a:rPr lang="en-US" sz="1400" dirty="0">
-                <a:latin typeface="Courier"/>
-                <a:cs typeface="Courier"/>
-              </a:rPr>
-              <a:t>                            </a:t>
-            </a:r>
-            <a:r>
-              <a:rPr lang="en-US" sz="1400" dirty="0" err="1">
-                <a:latin typeface="Courier"/>
-                <a:cs typeface="Courier"/>
-              </a:rPr>
-              <a:t>logfile</a:t>
-            </a:r>
-            <a:r>
-              <a:rPr lang="en-US" sz="1400" dirty="0">
-                <a:latin typeface="Courier"/>
-                <a:cs typeface="Courier"/>
-              </a:rPr>
-              <a:t> = </a:t>
-            </a:r>
-            <a:r>
-              <a:rPr lang="en-US" sz="1400" dirty="0">
-                <a:solidFill>
-                  <a:srgbClr val="FF0000"/>
-                </a:solidFill>
-                <a:latin typeface="Courier"/>
-                <a:cs typeface="Courier"/>
-              </a:rPr>
-              <a:t>"cold-</a:t>
-            </a:r>
-            <a:r>
-              <a:rPr lang="en-US" sz="1400" dirty="0" err="1">
-                <a:solidFill>
-                  <a:srgbClr val="FF0000"/>
-                </a:solidFill>
-                <a:latin typeface="Courier"/>
-                <a:cs typeface="Courier"/>
-              </a:rPr>
-              <a:t>norm.log.md</a:t>
-            </a:r>
-            <a:r>
-              <a:rPr lang="en-US" sz="1400" dirty="0">
-                <a:solidFill>
-                  <a:srgbClr val="FF0000"/>
-                </a:solidFill>
-                <a:latin typeface="Courier"/>
-                <a:cs typeface="Courier"/>
-              </a:rPr>
-              <a:t>"</a:t>
-            </a:r>
-            <a:r>
-              <a:rPr lang="en-US" sz="1400" dirty="0">
-                <a:latin typeface="Courier"/>
-                <a:cs typeface="Courier"/>
-              </a:rPr>
-              <a:t>)</a:t>
-            </a:r>
-          </a:p>
-          <a:p>
-            <a:pPr marL="0" indent="0">
-              <a:lnSpc>
-                <a:spcPct val="90000"/>
-              </a:lnSpc>
-              <a:buNone/>
-            </a:pPr>
-            <a:endParaRPr lang="en-US" sz="1400" dirty="0">
+            <a:endParaRPr lang="en-US" sz="2400" dirty="0">
               <a:latin typeface="Courier"/>
               <a:cs typeface="Courier"/>
             </a:endParaRPr>
           </a:p>
-          <a:p>
-            <a:pPr marL="0" indent="0">
-              <a:lnSpc>
-                <a:spcPct val="90000"/>
-              </a:lnSpc>
-              <a:buNone/>
-            </a:pPr>
-            <a:r>
-              <a:rPr lang="en-US" sz="1400" dirty="0">
-                <a:latin typeface="Courier"/>
-                <a:cs typeface="Courier"/>
-              </a:rPr>
-              <a:t># merge DE with counts and output DE result:</a:t>
-            </a:r>
-          </a:p>
-          <a:p>
-            <a:pPr marL="0" indent="0">
-              <a:lnSpc>
-                <a:spcPct val="90000"/>
-              </a:lnSpc>
-              <a:buNone/>
-            </a:pPr>
-            <a:r>
-              <a:rPr lang="en-US" sz="1400" dirty="0" err="1">
-                <a:latin typeface="Courier"/>
-                <a:cs typeface="Courier"/>
-              </a:rPr>
-              <a:t>DE.out</a:t>
-            </a:r>
-            <a:r>
-              <a:rPr lang="en-US" sz="1400" dirty="0">
-                <a:latin typeface="Courier"/>
-                <a:cs typeface="Courier"/>
-              </a:rPr>
-              <a:t> &lt;- </a:t>
-            </a:r>
-            <a:r>
-              <a:rPr lang="en-US" sz="1400" dirty="0" err="1">
-                <a:latin typeface="Courier"/>
-                <a:cs typeface="Courier"/>
-              </a:rPr>
-              <a:t>data.frame</a:t>
-            </a:r>
-            <a:r>
-              <a:rPr lang="en-US" sz="1400" dirty="0">
-                <a:latin typeface="Courier"/>
-                <a:cs typeface="Courier"/>
-              </a:rPr>
-              <a:t>(</a:t>
-            </a:r>
-            <a:r>
-              <a:rPr lang="en-US" sz="1400" dirty="0" err="1">
-                <a:latin typeface="Courier"/>
-                <a:cs typeface="Courier"/>
-              </a:rPr>
-              <a:t>DE.out</a:t>
-            </a:r>
-            <a:r>
-              <a:rPr lang="en-US" sz="1400" dirty="0">
-                <a:latin typeface="Courier"/>
-                <a:cs typeface="Courier"/>
-              </a:rPr>
-              <a:t>)</a:t>
-            </a:r>
-          </a:p>
-          <a:p>
-            <a:pPr marL="0" indent="0">
-              <a:lnSpc>
-                <a:spcPct val="90000"/>
-              </a:lnSpc>
-              <a:buNone/>
-            </a:pPr>
-            <a:r>
-              <a:rPr lang="en-US" sz="1400" dirty="0" err="1">
-                <a:latin typeface="Courier"/>
-                <a:cs typeface="Courier"/>
-              </a:rPr>
-              <a:t>final.out</a:t>
-            </a:r>
-            <a:r>
-              <a:rPr lang="en-US" sz="1400" dirty="0">
-                <a:latin typeface="Courier"/>
-                <a:cs typeface="Courier"/>
-              </a:rPr>
-              <a:t> &lt;- merge(</a:t>
-            </a:r>
-            <a:r>
-              <a:rPr lang="en-US" sz="1400" dirty="0" err="1">
-                <a:latin typeface="Courier"/>
-                <a:cs typeface="Courier"/>
-              </a:rPr>
-              <a:t>allcounts</a:t>
-            </a:r>
-            <a:r>
-              <a:rPr lang="en-US" sz="1400" dirty="0">
-                <a:latin typeface="Courier"/>
-                <a:cs typeface="Courier"/>
-              </a:rPr>
-              <a:t>, </a:t>
-            </a:r>
-            <a:r>
-              <a:rPr lang="en-US" sz="1400" dirty="0" err="1">
-                <a:latin typeface="Courier"/>
-                <a:cs typeface="Courier"/>
-              </a:rPr>
-              <a:t>DE.out</a:t>
-            </a:r>
-            <a:r>
-              <a:rPr lang="en-US" sz="1400" dirty="0">
-                <a:latin typeface="Courier"/>
-                <a:cs typeface="Courier"/>
-              </a:rPr>
-              <a:t>, </a:t>
-            </a:r>
-            <a:r>
-              <a:rPr lang="en-US" sz="1400" dirty="0" err="1">
-                <a:latin typeface="Courier"/>
-                <a:cs typeface="Courier"/>
-              </a:rPr>
-              <a:t>by.x</a:t>
-            </a:r>
-            <a:r>
-              <a:rPr lang="en-US" sz="1400" dirty="0">
-                <a:latin typeface="Courier"/>
-                <a:cs typeface="Courier"/>
-              </a:rPr>
-              <a:t> = </a:t>
-            </a:r>
-            <a:r>
-              <a:rPr lang="en-US" sz="1400" dirty="0">
-                <a:solidFill>
-                  <a:srgbClr val="FF0000"/>
-                </a:solidFill>
-                <a:latin typeface="Courier"/>
-                <a:cs typeface="Courier"/>
-              </a:rPr>
-              <a:t>"Gene"</a:t>
-            </a:r>
-            <a:r>
-              <a:rPr lang="en-US" sz="1400" dirty="0">
-                <a:latin typeface="Courier"/>
-                <a:cs typeface="Courier"/>
-              </a:rPr>
-              <a:t>, </a:t>
-            </a:r>
-            <a:r>
-              <a:rPr lang="en-US" sz="1400" dirty="0" err="1">
-                <a:latin typeface="Courier"/>
-                <a:cs typeface="Courier"/>
-              </a:rPr>
-              <a:t>by.y</a:t>
-            </a:r>
-            <a:r>
-              <a:rPr lang="en-US" sz="1400" dirty="0">
-                <a:latin typeface="Courier"/>
-                <a:cs typeface="Courier"/>
-              </a:rPr>
-              <a:t> = </a:t>
-            </a:r>
-            <a:r>
-              <a:rPr lang="en-US" sz="1400" dirty="0">
-                <a:solidFill>
-                  <a:srgbClr val="FF0000"/>
-                </a:solidFill>
-                <a:latin typeface="Courier"/>
-                <a:cs typeface="Courier"/>
-              </a:rPr>
-              <a:t>"</a:t>
-            </a:r>
-            <a:r>
-              <a:rPr lang="en-US" sz="1400" dirty="0" err="1">
-                <a:solidFill>
-                  <a:srgbClr val="FF0000"/>
-                </a:solidFill>
-                <a:latin typeface="Courier"/>
-                <a:cs typeface="Courier"/>
-              </a:rPr>
-              <a:t>GeneID</a:t>
-            </a:r>
-            <a:r>
-              <a:rPr lang="en-US" sz="1400" dirty="0">
-                <a:solidFill>
-                  <a:srgbClr val="FF0000"/>
-                </a:solidFill>
-                <a:latin typeface="Courier"/>
-                <a:cs typeface="Courier"/>
-              </a:rPr>
-              <a:t>"</a:t>
-            </a:r>
-            <a:r>
-              <a:rPr lang="en-US" sz="1400" dirty="0">
-                <a:latin typeface="Courier"/>
-                <a:cs typeface="Courier"/>
-              </a:rPr>
-              <a:t>)</a:t>
-            </a:r>
-          </a:p>
-          <a:p>
-            <a:pPr marL="0" indent="0">
-              <a:lnSpc>
-                <a:spcPct val="90000"/>
-              </a:lnSpc>
-              <a:buNone/>
-            </a:pPr>
-            <a:r>
-              <a:rPr lang="en-US" sz="1400" dirty="0" err="1">
-                <a:latin typeface="Courier"/>
-                <a:cs typeface="Courier"/>
-              </a:rPr>
-              <a:t>write.table</a:t>
-            </a:r>
-            <a:r>
-              <a:rPr lang="en-US" sz="1400" dirty="0">
-                <a:latin typeface="Courier"/>
-                <a:cs typeface="Courier"/>
-              </a:rPr>
-              <a:t>(</a:t>
-            </a:r>
-            <a:r>
-              <a:rPr lang="en-US" sz="1400" dirty="0" err="1">
-                <a:latin typeface="Courier"/>
-                <a:cs typeface="Courier"/>
-              </a:rPr>
-              <a:t>final.out</a:t>
-            </a:r>
-            <a:r>
-              <a:rPr lang="en-US" sz="1400" dirty="0">
-                <a:latin typeface="Courier"/>
-                <a:cs typeface="Courier"/>
-              </a:rPr>
-              <a:t>, </a:t>
-            </a:r>
-            <a:r>
-              <a:rPr lang="en-US" sz="1400" dirty="0">
-                <a:solidFill>
-                  <a:srgbClr val="FF0000"/>
-                </a:solidFill>
-                <a:latin typeface="Courier"/>
-                <a:cs typeface="Courier"/>
-              </a:rPr>
-              <a:t>"cold-norm.DESeq2.txt"</a:t>
-            </a:r>
-            <a:r>
-              <a:rPr lang="en-US" sz="1400" dirty="0">
-                <a:latin typeface="Courier"/>
-                <a:cs typeface="Courier"/>
-              </a:rPr>
-              <a:t>, </a:t>
-            </a:r>
-            <a:r>
-              <a:rPr lang="en-US" sz="1400" dirty="0" err="1">
-                <a:latin typeface="Courier"/>
-                <a:cs typeface="Courier"/>
-              </a:rPr>
-              <a:t>sep</a:t>
-            </a:r>
-            <a:r>
-              <a:rPr lang="en-US" sz="1400" dirty="0">
-                <a:latin typeface="Courier"/>
-                <a:cs typeface="Courier"/>
-              </a:rPr>
-              <a:t>="\t", quote=F, </a:t>
-            </a:r>
-            <a:r>
-              <a:rPr lang="en-US" sz="1400" dirty="0" err="1">
-                <a:latin typeface="Courier"/>
-                <a:cs typeface="Courier"/>
-              </a:rPr>
-              <a:t>row.names</a:t>
-            </a:r>
-            <a:r>
-              <a:rPr lang="en-US" sz="1400" dirty="0">
-                <a:latin typeface="Courier"/>
-                <a:cs typeface="Courier"/>
-              </a:rPr>
-              <a:t>=F)</a:t>
-            </a:r>
-          </a:p>
         </p:txBody>
       </p:sp>
       <p:sp>
@@ -21881,7 +21864,7 @@
           <p:cNvPr id="4" name="TextBox 3">
             <a:extLst>
               <a:ext uri="{FF2B5EF4-FFF2-40B4-BE49-F238E27FC236}">
-                <a16:creationId xmlns:a16="http://schemas.microsoft.com/office/drawing/2014/main" id="{B907BF5C-8BA0-9942-9CDF-53EF9E6BB7A2}"/>
+                <a16:creationId xmlns:a16="http://schemas.microsoft.com/office/drawing/2014/main" id="{07DCD932-C357-FE4B-857E-0ED725A9F06C}"/>
               </a:ext>
             </a:extLst>
           </p:cNvPr>
@@ -21918,7 +21901,7 @@
     </p:spTree>
     <p:extLst>
       <p:ext uri="{BB962C8B-B14F-4D97-AF65-F5344CB8AC3E}">
-        <p14:creationId xmlns:p14="http://schemas.microsoft.com/office/powerpoint/2010/main" val="1253974658"/>
+        <p14:creationId xmlns:p14="http://schemas.microsoft.com/office/powerpoint/2010/main" val="2267155015"/>
       </p:ext>
     </p:extLst>
   </p:cSld>
